--- a/database/slides/PRAYERS_AT_BENEDICTION.pptx
+++ b/database/slides/PRAYERS_AT_BENEDICTION.pptx
@@ -15792,7 +15792,13 @@
       </p:sp>
       <p:sp>
         <p:nvSpPr>
-          <p:cNvPr id="131" name="Google Shape;131;p25"/>
+          <p:cNvPr id="2" name="Google Shape;131;p25">
+            <a:extLst>
+              <a:ext uri="{FF2B5EF4-FFF2-40B4-BE49-F238E27FC236}">
+                <a16:creationId xmlns:a16="http://schemas.microsoft.com/office/drawing/2014/main" id="{10AA60A6-D3BF-1267-03AB-55CC7A69516C}"/>
+              </a:ext>
+            </a:extLst>
+          </p:cNvPr>
           <p:cNvSpPr txBox="1"/>
           <p:nvPr/>
         </p:nvSpPr>
@@ -15841,7 +15847,7 @@
               </a:rPr>
               <a:t>contd..</a:t>
             </a:r>
-            <a:endParaRPr lang="en-GB" sz="3600" dirty="0">
+            <a:endParaRPr sz="3600" dirty="0">
               <a:latin typeface="Calibri"/>
               <a:ea typeface="Calibri"/>
               <a:cs typeface="Calibri"/>
@@ -15988,7 +15994,13 @@
       </p:sp>
       <p:sp>
         <p:nvSpPr>
-          <p:cNvPr id="131" name="Google Shape;131;p25"/>
+          <p:cNvPr id="2" name="Google Shape;131;p25">
+            <a:extLst>
+              <a:ext uri="{FF2B5EF4-FFF2-40B4-BE49-F238E27FC236}">
+                <a16:creationId xmlns:a16="http://schemas.microsoft.com/office/drawing/2014/main" id="{FC18ADB2-61D1-0240-0D5F-4E56DD678BA7}"/>
+              </a:ext>
+            </a:extLst>
+          </p:cNvPr>
           <p:cNvSpPr txBox="1"/>
           <p:nvPr/>
         </p:nvSpPr>
@@ -16037,7 +16049,7 @@
               </a:rPr>
               <a:t>contd..</a:t>
             </a:r>
-            <a:endParaRPr lang="en-GB" sz="3600" dirty="0">
+            <a:endParaRPr sz="3600" dirty="0">
               <a:latin typeface="Calibri"/>
               <a:ea typeface="Calibri"/>
               <a:cs typeface="Calibri"/>
